--- a/文件管理系统开题答辩.pptx
+++ b/文件管理系统开题答辩.pptx
@@ -246,7 +246,7 @@
               <a:pPr>
                 <a:defRPr/>
               </a:pPr>
-              <a:t>2013/3/10 Sunday</a:t>
+              <a:t>2013/6/15 Saturday</a:t>
             </a:fld>
             <a:endParaRPr lang="zh-CN" altLang="en-US"/>
           </a:p>
@@ -744,7 +744,7 @@
               <a:pPr>
                 <a:defRPr/>
               </a:pPr>
-              <a:t>2013/3/10 Sunday</a:t>
+              <a:t>2013/6/15 Saturday</a:t>
             </a:fld>
             <a:endParaRPr lang="zh-CN" altLang="en-US"/>
           </a:p>
@@ -1004,7 +1004,7 @@
               <a:pPr>
                 <a:defRPr/>
               </a:pPr>
-              <a:t>2013/3/10 Sunday</a:t>
+              <a:t>2013/6/15 Saturday</a:t>
             </a:fld>
             <a:endParaRPr lang="zh-CN" altLang="en-US"/>
           </a:p>
@@ -1264,7 +1264,7 @@
               <a:pPr>
                 <a:defRPr/>
               </a:pPr>
-              <a:t>2013/3/10 Sunday</a:t>
+              <a:t>2013/6/15 Saturday</a:t>
             </a:fld>
             <a:endParaRPr lang="zh-CN" altLang="en-US"/>
           </a:p>
@@ -1602,7 +1602,7 @@
               <a:pPr>
                 <a:defRPr/>
               </a:pPr>
-              <a:t>2013/3/10 Sunday</a:t>
+              <a:t>2013/6/15 Saturday</a:t>
             </a:fld>
             <a:endParaRPr lang="zh-CN" altLang="en-US"/>
           </a:p>
@@ -1978,7 +1978,7 @@
               <a:pPr>
                 <a:defRPr/>
               </a:pPr>
-              <a:t>2013/3/10 Sunday</a:t>
+              <a:t>2013/6/15 Saturday</a:t>
             </a:fld>
             <a:endParaRPr lang="zh-CN" altLang="en-US"/>
           </a:p>
@@ -2494,7 +2494,7 @@
               <a:pPr>
                 <a:defRPr/>
               </a:pPr>
-              <a:t>2013/3/10 Sunday</a:t>
+              <a:t>2013/6/15 Saturday</a:t>
             </a:fld>
             <a:endParaRPr lang="zh-CN" altLang="en-US"/>
           </a:p>
@@ -2694,7 +2694,7 @@
               <a:pPr>
                 <a:defRPr/>
               </a:pPr>
-              <a:t>2013/3/10 Sunday</a:t>
+              <a:t>2013/6/15 Saturday</a:t>
             </a:fld>
             <a:endParaRPr lang="zh-CN" altLang="en-US"/>
           </a:p>
@@ -2863,7 +2863,7 @@
               <a:pPr>
                 <a:defRPr/>
               </a:pPr>
-              <a:t>2013/3/10 Sunday</a:t>
+              <a:t>2013/6/15 Saturday</a:t>
             </a:fld>
             <a:endParaRPr lang="zh-CN" altLang="en-US"/>
           </a:p>
@@ -3223,7 +3223,7 @@
               <a:pPr>
                 <a:defRPr/>
               </a:pPr>
-              <a:t>2013/3/10 Sunday</a:t>
+              <a:t>2013/6/15 Saturday</a:t>
             </a:fld>
             <a:endParaRPr lang="zh-CN" altLang="en-US"/>
           </a:p>
@@ -3560,7 +3560,7 @@
               <a:pPr>
                 <a:defRPr/>
               </a:pPr>
-              <a:t>2013/3/10 Sunday</a:t>
+              <a:t>2013/6/15 Saturday</a:t>
             </a:fld>
             <a:endParaRPr lang="zh-CN" altLang="en-US"/>
           </a:p>
@@ -6485,11 +6485,23 @@
           <a:p>
             <a:r>
               <a:rPr lang="zh-CN" altLang="zh-CN" sz="3200" dirty="0"/>
-              <a:t>赵岩：文件（夹）的新建、删除、重命名，文件（夹）排序、</a:t>
+              <a:t>赵岩：文件（夹）</a:t>
+            </a:r>
+            <a:r>
+              <a:rPr lang="zh-CN" altLang="zh-CN" sz="3200" dirty="0"/>
+              <a:t>的复制、剪切、</a:t>
             </a:r>
             <a:r>
               <a:rPr lang="zh-CN" altLang="zh-CN" sz="3200" dirty="0" smtClean="0"/>
-              <a:t>搜索</a:t>
+              <a:t>粘贴、搜索</a:t>
+            </a:r>
+            <a:r>
+              <a:rPr lang="zh-CN" altLang="en-US" sz="3200" dirty="0" smtClean="0"/>
+              <a:t>、</a:t>
+            </a:r>
+            <a:r>
+              <a:rPr lang="zh-CN" altLang="en-US" sz="3200" dirty="0"/>
+              <a:t>微博分享</a:t>
             </a:r>
             <a:endParaRPr lang="en-US" altLang="zh-CN" sz="3200" dirty="0" smtClean="0"/>
           </a:p>
@@ -6499,8 +6511,49 @@
           <a:p>
             <a:r>
               <a:rPr lang="zh-CN" altLang="zh-CN" sz="3200" dirty="0"/>
-              <a:t>李洪祥：文件（夹）的复制、剪切、粘贴、发送，根据文件内容搜索文件</a:t>
-            </a:r>
+              <a:t>李洪祥：文件（夹</a:t>
+            </a:r>
+            <a:r>
+              <a:rPr lang="zh-CN" altLang="zh-CN" sz="3200"/>
+              <a:t>）</a:t>
+            </a:r>
+            <a:r>
+              <a:rPr lang="zh-CN" altLang="zh-CN" sz="3200" smtClean="0"/>
+              <a:t>的</a:t>
+            </a:r>
+            <a:r>
+              <a:rPr lang="zh-CN" altLang="zh-CN" sz="3200" smtClean="0"/>
+              <a:t>新建</a:t>
+            </a:r>
+            <a:r>
+              <a:rPr lang="zh-CN" altLang="zh-CN" sz="3200"/>
+              <a:t>、删除</a:t>
+            </a:r>
+            <a:r>
+              <a:rPr lang="zh-CN" altLang="zh-CN" sz="3200"/>
+              <a:t>、</a:t>
+            </a:r>
+            <a:r>
+              <a:rPr lang="zh-CN" altLang="zh-CN" sz="3200" smtClean="0"/>
+              <a:t>重命名</a:t>
+            </a:r>
+            <a:r>
+              <a:rPr lang="zh-CN" altLang="en-US" sz="3200" smtClean="0"/>
+              <a:t>、</a:t>
+            </a:r>
+            <a:r>
+              <a:rPr lang="zh-CN" altLang="zh-CN" sz="3200" smtClean="0"/>
+              <a:t>文件</a:t>
+            </a:r>
+            <a:r>
+              <a:rPr lang="zh-CN" altLang="zh-CN" sz="3200" dirty="0"/>
+              <a:t>（夹）</a:t>
+            </a:r>
+            <a:r>
+              <a:rPr lang="zh-CN" altLang="zh-CN" sz="3200" dirty="0" smtClean="0"/>
+              <a:t>排序</a:t>
+            </a:r>
+            <a:endParaRPr lang="zh-CN" altLang="zh-CN" sz="3200" dirty="0"/>
           </a:p>
         </p:txBody>
       </p:sp>
@@ -8094,15 +8147,7 @@
             </a:r>
             <a:r>
               <a:rPr lang="zh-CN" altLang="en-US" sz="3200" dirty="0" smtClean="0"/>
-              <a:t>、排序、查看</a:t>
-            </a:r>
-            <a:r>
-              <a:rPr lang="zh-CN" altLang="en-US" sz="3200" dirty="0" smtClean="0"/>
-              <a:t>文件（夹）信息、</a:t>
-            </a:r>
-            <a:r>
-              <a:rPr lang="zh-CN" altLang="en-US" sz="3200" dirty="0" smtClean="0"/>
-              <a:t>根据文件名搜索文件等操作</a:t>
+              <a:t>、排序、查看文件（夹）信息、根据文件名搜索文件等操作</a:t>
             </a:r>
             <a:endParaRPr lang="en-US" altLang="zh-CN" sz="3200" dirty="0" smtClean="0"/>
           </a:p>
@@ -8122,27 +8167,7 @@
             </a:r>
             <a:r>
               <a:rPr lang="zh-CN" altLang="en-US" sz="3200" dirty="0" smtClean="0"/>
-              <a:t>、附加功能</a:t>
-            </a:r>
-            <a:r>
-              <a:rPr lang="zh-CN" altLang="en-US" sz="3200" dirty="0" smtClean="0"/>
-              <a:t>：</a:t>
-            </a:r>
-            <a:r>
-              <a:rPr lang="zh-CN" altLang="en-US" sz="3200" dirty="0" smtClean="0"/>
-              <a:t>根据文件内容搜索文件</a:t>
-            </a:r>
-            <a:r>
-              <a:rPr lang="zh-CN" altLang="en-US" sz="3200" dirty="0" smtClean="0"/>
-              <a:t>、</a:t>
-            </a:r>
-            <a:r>
-              <a:rPr lang="zh-CN" altLang="en-US" sz="3200" dirty="0" smtClean="0"/>
-              <a:t>文件（夹）发送、远程</a:t>
-            </a:r>
-            <a:r>
-              <a:rPr lang="zh-CN" altLang="en-US" sz="3200" dirty="0" smtClean="0"/>
-              <a:t>管理等功能</a:t>
+              <a:t>、附加功能：根据文件内容搜索文件、文件（夹）发送、远程管理等功能</a:t>
             </a:r>
             <a:endParaRPr lang="zh-CN" altLang="en-US" sz="3200" dirty="0"/>
           </a:p>
